--- a/documents/Health Manager Bot2.pptx
+++ b/documents/Health Manager Bot2.pptx
@@ -106,6 +106,11 @@
       </a:defRPr>
     </a:lvl9pPr>
   </p:defaultTextStyle>
+  <p:extLst>
+    <p:ext uri="{EFAFB233-063F-42B5-8137-9DF3F51BA10A}">
+      <p15:sldGuideLst xmlns:p15="http://schemas.microsoft.com/office/powerpoint/2012/main"/>
+    </p:ext>
+  </p:extLst>
 </p:presentation>
 </file>
 
@@ -335,7 +340,7 @@
           <a:p>
             <a:fld id="{421AC27A-7B1A-4956-BA40-FD631738E0C4}" type="datetimeFigureOut">
               <a:rPr kumimoji="1" lang="ja-JP" altLang="en-US" smtClean="0"/>
-              <a:t>2021/1/14</a:t>
+              <a:t>2021/1/15</a:t>
             </a:fld>
             <a:endParaRPr kumimoji="1" lang="ja-JP" altLang="en-US"/>
           </a:p>
@@ -575,7 +580,7 @@
           <a:p>
             <a:fld id="{421AC27A-7B1A-4956-BA40-FD631738E0C4}" type="datetimeFigureOut">
               <a:rPr kumimoji="1" lang="ja-JP" altLang="en-US" smtClean="0"/>
-              <a:t>2021/1/14</a:t>
+              <a:t>2021/1/15</a:t>
             </a:fld>
             <a:endParaRPr kumimoji="1" lang="ja-JP" altLang="en-US"/>
           </a:p>
@@ -863,7 +868,7 @@
           <a:p>
             <a:fld id="{421AC27A-7B1A-4956-BA40-FD631738E0C4}" type="datetimeFigureOut">
               <a:rPr kumimoji="1" lang="ja-JP" altLang="en-US" smtClean="0"/>
-              <a:t>2021/1/14</a:t>
+              <a:t>2021/1/15</a:t>
             </a:fld>
             <a:endParaRPr kumimoji="1" lang="ja-JP" altLang="en-US"/>
           </a:p>
@@ -1069,7 +1074,7 @@
           <a:p>
             <a:fld id="{421AC27A-7B1A-4956-BA40-FD631738E0C4}" type="datetimeFigureOut">
               <a:rPr kumimoji="1" lang="ja-JP" altLang="en-US" smtClean="0"/>
-              <a:t>2021/1/14</a:t>
+              <a:t>2021/1/15</a:t>
             </a:fld>
             <a:endParaRPr kumimoji="1" lang="ja-JP" altLang="en-US"/>
           </a:p>
@@ -1412,7 +1417,7 @@
           <a:p>
             <a:fld id="{421AC27A-7B1A-4956-BA40-FD631738E0C4}" type="datetimeFigureOut">
               <a:rPr kumimoji="1" lang="ja-JP" altLang="en-US" smtClean="0"/>
-              <a:t>2021/1/14</a:t>
+              <a:t>2021/1/15</a:t>
             </a:fld>
             <a:endParaRPr kumimoji="1" lang="ja-JP" altLang="en-US"/>
           </a:p>
@@ -1751,7 +1756,7 @@
           <a:p>
             <a:fld id="{421AC27A-7B1A-4956-BA40-FD631738E0C4}" type="datetimeFigureOut">
               <a:rPr kumimoji="1" lang="ja-JP" altLang="en-US" smtClean="0"/>
-              <a:t>2021/1/14</a:t>
+              <a:t>2021/1/15</a:t>
             </a:fld>
             <a:endParaRPr kumimoji="1" lang="ja-JP" altLang="en-US"/>
           </a:p>
@@ -2194,7 +2199,7 @@
           <a:p>
             <a:fld id="{421AC27A-7B1A-4956-BA40-FD631738E0C4}" type="datetimeFigureOut">
               <a:rPr kumimoji="1" lang="ja-JP" altLang="en-US" smtClean="0"/>
-              <a:t>2021/1/14</a:t>
+              <a:t>2021/1/15</a:t>
             </a:fld>
             <a:endParaRPr kumimoji="1" lang="ja-JP" altLang="en-US"/>
           </a:p>
@@ -2312,7 +2317,7 @@
           <a:p>
             <a:fld id="{421AC27A-7B1A-4956-BA40-FD631738E0C4}" type="datetimeFigureOut">
               <a:rPr kumimoji="1" lang="ja-JP" altLang="en-US" smtClean="0"/>
-              <a:t>2021/1/14</a:t>
+              <a:t>2021/1/15</a:t>
             </a:fld>
             <a:endParaRPr kumimoji="1" lang="ja-JP" altLang="en-US"/>
           </a:p>
@@ -2483,7 +2488,7 @@
           <a:p>
             <a:fld id="{421AC27A-7B1A-4956-BA40-FD631738E0C4}" type="datetimeFigureOut">
               <a:rPr kumimoji="1" lang="ja-JP" altLang="en-US" smtClean="0"/>
-              <a:t>2021/1/14</a:t>
+              <a:t>2021/1/15</a:t>
             </a:fld>
             <a:endParaRPr kumimoji="1" lang="ja-JP" altLang="en-US"/>
           </a:p>
@@ -2869,7 +2874,7 @@
           <a:p>
             <a:fld id="{421AC27A-7B1A-4956-BA40-FD631738E0C4}" type="datetimeFigureOut">
               <a:rPr kumimoji="1" lang="ja-JP" altLang="en-US" smtClean="0"/>
-              <a:t>2021/1/14</a:t>
+              <a:t>2021/1/15</a:t>
             </a:fld>
             <a:endParaRPr kumimoji="1" lang="ja-JP" altLang="en-US"/>
           </a:p>
@@ -3251,7 +3256,7 @@
           <a:p>
             <a:fld id="{421AC27A-7B1A-4956-BA40-FD631738E0C4}" type="datetimeFigureOut">
               <a:rPr kumimoji="1" lang="ja-JP" altLang="en-US" smtClean="0"/>
-              <a:t>2021/1/14</a:t>
+              <a:t>2021/1/15</a:t>
             </a:fld>
             <a:endParaRPr kumimoji="1" lang="ja-JP" altLang="en-US"/>
           </a:p>
@@ -3570,7 +3575,7 @@
           <a:p>
             <a:fld id="{421AC27A-7B1A-4956-BA40-FD631738E0C4}" type="datetimeFigureOut">
               <a:rPr kumimoji="1" lang="ja-JP" altLang="en-US" smtClean="0"/>
-              <a:t>2021/1/14</a:t>
+              <a:t>2021/1/15</a:t>
             </a:fld>
             <a:endParaRPr kumimoji="1" lang="ja-JP" altLang="en-US"/>
           </a:p>
@@ -4219,15 +4224,19 @@
             </a:r>
             <a:r>
               <a:rPr kumimoji="1" lang="ja-JP" altLang="en-US" sz="2800" dirty="0"/>
-              <a:t>を使用したり、仕様が大きく違う</a:t>
-            </a:r>
-            <a:r>
-              <a:rPr lang="en-US" altLang="ja-JP" sz="2800" dirty="0"/>
-              <a:t>  </a:t>
+              <a:t>を使用したり、去年とは作り方が</a:t>
+            </a:r>
+            <a:r>
+              <a:rPr kumimoji="1" lang="ja-JP" altLang="en-US" sz="2800"/>
+              <a:t>大きく違う</a:t>
+            </a:r>
+            <a:r>
+              <a:rPr kumimoji="1" lang="en-US" altLang="ja-JP" sz="2800"/>
+              <a:t>Discord </a:t>
             </a:r>
             <a:r>
               <a:rPr kumimoji="1" lang="en-US" altLang="ja-JP" sz="2800" dirty="0"/>
-              <a:t>Discord Bot</a:t>
+              <a:t>Bot</a:t>
             </a:r>
             <a:r>
               <a:rPr kumimoji="1" lang="ja-JP" altLang="en-US" sz="2800" dirty="0"/>
